--- a/emfPoster.pptx
+++ b/emfPoster.pptx
@@ -145,7 +145,7 @@
 <file path=ppt/revisionInfo.xml><?xml version="1.0" encoding="utf-8"?>
 <p1510:revInfo xmlns:a="http://schemas.openxmlformats.org/drawingml/2006/main" xmlns:r="http://schemas.openxmlformats.org/officeDocument/2006/relationships" xmlns:p1510="http://schemas.microsoft.com/office/powerpoint/2015/10/main">
   <p1510:revLst>
-    <p1510:client id="{31B20DFD-1BCA-4A70-9777-34CEF0C3FADE}" v="1" dt="2024-12-05T23:44:17.121"/>
+    <p1510:client id="{31B20DFD-1BCA-4A70-9777-34CEF0C3FADE}" v="3" dt="2024-12-06T17:51:16.716"/>
   </p1510:revLst>
 </p1510:revInfo>
 </file>
@@ -155,16 +155,24 @@
   <pc:docChgLst>
     <pc:chgData name="Kayli Legan" userId="2dd3d3336b69d794" providerId="LiveId" clId="{31B20DFD-1BCA-4A70-9777-34CEF0C3FADE}"/>
     <pc:docChg chg="undo custSel modSld">
-      <pc:chgData name="Kayli Legan" userId="2dd3d3336b69d794" providerId="LiveId" clId="{31B20DFD-1BCA-4A70-9777-34CEF0C3FADE}" dt="2024-12-05T23:50:22.218" v="231" actId="20577"/>
+      <pc:chgData name="Kayli Legan" userId="2dd3d3336b69d794" providerId="LiveId" clId="{31B20DFD-1BCA-4A70-9777-34CEF0C3FADE}" dt="2024-12-06T17:52:41.404" v="247" actId="478"/>
       <pc:docMkLst>
         <pc:docMk/>
       </pc:docMkLst>
-      <pc:sldChg chg="addSp modSp mod">
-        <pc:chgData name="Kayli Legan" userId="2dd3d3336b69d794" providerId="LiveId" clId="{31B20DFD-1BCA-4A70-9777-34CEF0C3FADE}" dt="2024-12-05T23:50:22.218" v="231" actId="20577"/>
+      <pc:sldChg chg="addSp delSp modSp mod">
+        <pc:chgData name="Kayli Legan" userId="2dd3d3336b69d794" providerId="LiveId" clId="{31B20DFD-1BCA-4A70-9777-34CEF0C3FADE}" dt="2024-12-06T17:52:41.404" v="247" actId="478"/>
         <pc:sldMkLst>
           <pc:docMk/>
           <pc:sldMk cId="0" sldId="256"/>
         </pc:sldMkLst>
+        <pc:spChg chg="add del mod">
+          <ac:chgData name="Kayli Legan" userId="2dd3d3336b69d794" providerId="LiveId" clId="{31B20DFD-1BCA-4A70-9777-34CEF0C3FADE}" dt="2024-12-06T17:52:41.404" v="247" actId="478"/>
+          <ac:spMkLst>
+            <pc:docMk/>
+            <pc:sldMk cId="0" sldId="256"/>
+            <ac:spMk id="19" creationId="{A0B8399A-8420-67CB-5D96-B128B88485B5}"/>
+          </ac:spMkLst>
+        </pc:spChg>
         <pc:spChg chg="mod">
           <ac:chgData name="Kayli Legan" userId="2dd3d3336b69d794" providerId="LiveId" clId="{31B20DFD-1BCA-4A70-9777-34CEF0C3FADE}" dt="2024-12-05T23:45:24.056" v="54" actId="20577"/>
           <ac:spMkLst>
@@ -179,6 +187,14 @@
             <pc:docMk/>
             <pc:sldMk cId="0" sldId="256"/>
             <ac:spMk id="28" creationId="{00000000-0000-0000-0000-000000000000}"/>
+          </ac:spMkLst>
+        </pc:spChg>
+        <pc:spChg chg="mod">
+          <ac:chgData name="Kayli Legan" userId="2dd3d3336b69d794" providerId="LiveId" clId="{31B20DFD-1BCA-4A70-9777-34CEF0C3FADE}" dt="2024-12-06T17:51:13.935" v="242"/>
+          <ac:spMkLst>
+            <pc:docMk/>
+            <pc:sldMk cId="0" sldId="256"/>
+            <ac:spMk id="30" creationId="{00000000-0000-0000-0000-000000000000}"/>
           </ac:spMkLst>
         </pc:spChg>
         <pc:spChg chg="mod">
@@ -197,12 +213,20 @@
             <ac:spMk id="36" creationId="{00000000-0000-0000-0000-000000000000}"/>
           </ac:spMkLst>
         </pc:spChg>
-        <pc:picChg chg="add mod">
-          <ac:chgData name="Kayli Legan" userId="2dd3d3336b69d794" providerId="LiveId" clId="{31B20DFD-1BCA-4A70-9777-34CEF0C3FADE}" dt="2024-12-05T23:44:30.442" v="40" actId="14100"/>
+        <pc:picChg chg="add del mod">
+          <ac:chgData name="Kayli Legan" userId="2dd3d3336b69d794" providerId="LiveId" clId="{31B20DFD-1BCA-4A70-9777-34CEF0C3FADE}" dt="2024-12-06T17:49:28.694" v="232" actId="478"/>
           <ac:picMkLst>
             <pc:docMk/>
             <pc:sldMk cId="0" sldId="256"/>
             <ac:picMk id="17" creationId="{89891124-9609-4B75-603E-182A302BD343}"/>
+          </ac:picMkLst>
+        </pc:picChg>
+        <pc:picChg chg="add mod">
+          <ac:chgData name="Kayli Legan" userId="2dd3d3336b69d794" providerId="LiveId" clId="{31B20DFD-1BCA-4A70-9777-34CEF0C3FADE}" dt="2024-12-06T17:50:58.673" v="240" actId="14100"/>
+          <ac:picMkLst>
+            <pc:docMk/>
+            <pc:sldMk cId="0" sldId="256"/>
+            <ac:picMk id="18" creationId="{17998139-D24F-D6C1-AEA3-F2081107E7FC}"/>
           </ac:picMkLst>
         </pc:picChg>
       </pc:sldChg>
@@ -391,7 +415,7 @@
             <a:fld id="{1D8BD707-D9CF-40AE-B4C6-C98DA3205C09}" type="datetimeFigureOut">
               <a:rPr lang="en-US" smtClean="0"/>
               <a:pPr/>
-              <a:t>12/5/2024</a:t>
+              <a:t>12/6/2024</a:t>
             </a:fld>
             <a:endParaRPr lang="en-US"/>
           </a:p>
@@ -556,7 +580,7 @@
             <a:fld id="{1D8BD707-D9CF-40AE-B4C6-C98DA3205C09}" type="datetimeFigureOut">
               <a:rPr lang="en-US" smtClean="0"/>
               <a:pPr/>
-              <a:t>12/5/2024</a:t>
+              <a:t>12/6/2024</a:t>
             </a:fld>
             <a:endParaRPr lang="en-US"/>
           </a:p>
@@ -731,7 +755,7 @@
             <a:fld id="{1D8BD707-D9CF-40AE-B4C6-C98DA3205C09}" type="datetimeFigureOut">
               <a:rPr lang="en-US" smtClean="0"/>
               <a:pPr/>
-              <a:t>12/5/2024</a:t>
+              <a:t>12/6/2024</a:t>
             </a:fld>
             <a:endParaRPr lang="en-US"/>
           </a:p>
@@ -896,7 +920,7 @@
             <a:fld id="{1D8BD707-D9CF-40AE-B4C6-C98DA3205C09}" type="datetimeFigureOut">
               <a:rPr lang="en-US" smtClean="0"/>
               <a:pPr/>
-              <a:t>12/5/2024</a:t>
+              <a:t>12/6/2024</a:t>
             </a:fld>
             <a:endParaRPr lang="en-US"/>
           </a:p>
@@ -1138,7 +1162,7 @@
             <a:fld id="{1D8BD707-D9CF-40AE-B4C6-C98DA3205C09}" type="datetimeFigureOut">
               <a:rPr lang="en-US" smtClean="0"/>
               <a:pPr/>
-              <a:t>12/5/2024</a:t>
+              <a:t>12/6/2024</a:t>
             </a:fld>
             <a:endParaRPr lang="en-US"/>
           </a:p>
@@ -1420,7 +1444,7 @@
             <a:fld id="{1D8BD707-D9CF-40AE-B4C6-C98DA3205C09}" type="datetimeFigureOut">
               <a:rPr lang="en-US" smtClean="0"/>
               <a:pPr/>
-              <a:t>12/5/2024</a:t>
+              <a:t>12/6/2024</a:t>
             </a:fld>
             <a:endParaRPr lang="en-US"/>
           </a:p>
@@ -1836,7 +1860,7 @@
             <a:fld id="{1D8BD707-D9CF-40AE-B4C6-C98DA3205C09}" type="datetimeFigureOut">
               <a:rPr lang="en-US" smtClean="0"/>
               <a:pPr/>
-              <a:t>12/5/2024</a:t>
+              <a:t>12/6/2024</a:t>
             </a:fld>
             <a:endParaRPr lang="en-US"/>
           </a:p>
@@ -1950,7 +1974,7 @@
             <a:fld id="{1D8BD707-D9CF-40AE-B4C6-C98DA3205C09}" type="datetimeFigureOut">
               <a:rPr lang="en-US" smtClean="0"/>
               <a:pPr/>
-              <a:t>12/5/2024</a:t>
+              <a:t>12/6/2024</a:t>
             </a:fld>
             <a:endParaRPr lang="en-US"/>
           </a:p>
@@ -2042,7 +2066,7 @@
             <a:fld id="{1D8BD707-D9CF-40AE-B4C6-C98DA3205C09}" type="datetimeFigureOut">
               <a:rPr lang="en-US" smtClean="0"/>
               <a:pPr/>
-              <a:t>12/5/2024</a:t>
+              <a:t>12/6/2024</a:t>
             </a:fld>
             <a:endParaRPr lang="en-US"/>
           </a:p>
@@ -2314,7 +2338,7 @@
             <a:fld id="{1D8BD707-D9CF-40AE-B4C6-C98DA3205C09}" type="datetimeFigureOut">
               <a:rPr lang="en-US" smtClean="0"/>
               <a:pPr/>
-              <a:t>12/5/2024</a:t>
+              <a:t>12/6/2024</a:t>
             </a:fld>
             <a:endParaRPr lang="en-US"/>
           </a:p>
@@ -2563,7 +2587,7 @@
             <a:fld id="{1D8BD707-D9CF-40AE-B4C6-C98DA3205C09}" type="datetimeFigureOut">
               <a:rPr lang="en-US" smtClean="0"/>
               <a:pPr/>
-              <a:t>12/5/2024</a:t>
+              <a:t>12/6/2024</a:t>
             </a:fld>
             <a:endParaRPr lang="en-US"/>
           </a:p>
@@ -2771,7 +2795,7 @@
             <a:fld id="{1D8BD707-D9CF-40AE-B4C6-C98DA3205C09}" type="datetimeFigureOut">
               <a:rPr lang="en-US" smtClean="0"/>
               <a:pPr/>
-              <a:t>12/5/2024</a:t>
+              <a:t>12/6/2024</a:t>
             </a:fld>
             <a:endParaRPr lang="en-US"/>
           </a:p>
@@ -5156,10 +5180,10 @@
       </p:sp>
       <p:pic>
         <p:nvPicPr>
-          <p:cNvPr id="17" name="Picture 16" descr="A blue box with wires connected to it&#10;&#10;Description automatically generated">
+          <p:cNvPr id="18" name="Picture 17" descr="A green rectangular object with lights&#10;&#10;Description automatically generated">
             <a:extLst>
               <a:ext uri="{FF2B5EF4-FFF2-40B4-BE49-F238E27FC236}">
-                <a16:creationId xmlns:a16="http://schemas.microsoft.com/office/drawing/2014/main" id="{89891124-9609-4B75-603E-182A302BD343}"/>
+                <a16:creationId xmlns:a16="http://schemas.microsoft.com/office/drawing/2014/main" id="{17998139-D24F-D6C1-AEA3-F2081107E7FC}"/>
               </a:ext>
             </a:extLst>
           </p:cNvPr>
@@ -5182,8 +5206,8 @@
         </p:blipFill>
         <p:spPr>
           <a:xfrm>
-            <a:off x="29789910" y="5516726"/>
-            <a:ext cx="13757301" cy="8019644"/>
+            <a:off x="29878126" y="5351683"/>
+            <a:ext cx="13484652" cy="8490397"/>
           </a:xfrm>
           <a:prstGeom prst="rect">
             <a:avLst/>
